--- a/ReadME_Online_Exam_System.pptx
+++ b/ReadME_Online_Exam_System.pptx
@@ -8,6 +8,7 @@
     <p:sldId id="256" r:id="rId2"/>
     <p:sldId id="258" r:id="rId3"/>
     <p:sldId id="257" r:id="rId4"/>
+    <p:sldId id="259" r:id="rId5"/>
   </p:sldIdLst>
   <p:sldSz cx="12192000" cy="6858000"/>
   <p:notesSz cx="6858000" cy="9144000"/>
@@ -245,7 +246,7 @@
           <a:p>
             <a:fld id="{982FA334-E39C-45B1-A3C0-775DA0BD8DB7}" type="datetimeFigureOut">
               <a:rPr lang="en-US" smtClean="0"/>
-              <a:t>12/7/2020</a:t>
+              <a:t>12/8/2020</a:t>
             </a:fld>
             <a:endParaRPr lang="en-US"/>
           </a:p>
@@ -415,7 +416,7 @@
           <a:p>
             <a:fld id="{982FA334-E39C-45B1-A3C0-775DA0BD8DB7}" type="datetimeFigureOut">
               <a:rPr lang="en-US" smtClean="0"/>
-              <a:t>12/7/2020</a:t>
+              <a:t>12/8/2020</a:t>
             </a:fld>
             <a:endParaRPr lang="en-US"/>
           </a:p>
@@ -595,7 +596,7 @@
           <a:p>
             <a:fld id="{982FA334-E39C-45B1-A3C0-775DA0BD8DB7}" type="datetimeFigureOut">
               <a:rPr lang="en-US" smtClean="0"/>
-              <a:t>12/7/2020</a:t>
+              <a:t>12/8/2020</a:t>
             </a:fld>
             <a:endParaRPr lang="en-US"/>
           </a:p>
@@ -765,7 +766,7 @@
           <a:p>
             <a:fld id="{982FA334-E39C-45B1-A3C0-775DA0BD8DB7}" type="datetimeFigureOut">
               <a:rPr lang="en-US" smtClean="0"/>
-              <a:t>12/7/2020</a:t>
+              <a:t>12/8/2020</a:t>
             </a:fld>
             <a:endParaRPr lang="en-US"/>
           </a:p>
@@ -1011,7 +1012,7 @@
           <a:p>
             <a:fld id="{982FA334-E39C-45B1-A3C0-775DA0BD8DB7}" type="datetimeFigureOut">
               <a:rPr lang="en-US" smtClean="0"/>
-              <a:t>12/7/2020</a:t>
+              <a:t>12/8/2020</a:t>
             </a:fld>
             <a:endParaRPr lang="en-US"/>
           </a:p>
@@ -1243,7 +1244,7 @@
           <a:p>
             <a:fld id="{982FA334-E39C-45B1-A3C0-775DA0BD8DB7}" type="datetimeFigureOut">
               <a:rPr lang="en-US" smtClean="0"/>
-              <a:t>12/7/2020</a:t>
+              <a:t>12/8/2020</a:t>
             </a:fld>
             <a:endParaRPr lang="en-US"/>
           </a:p>
@@ -1610,7 +1611,7 @@
           <a:p>
             <a:fld id="{982FA334-E39C-45B1-A3C0-775DA0BD8DB7}" type="datetimeFigureOut">
               <a:rPr lang="en-US" smtClean="0"/>
-              <a:t>12/7/2020</a:t>
+              <a:t>12/8/2020</a:t>
             </a:fld>
             <a:endParaRPr lang="en-US"/>
           </a:p>
@@ -1728,7 +1729,7 @@
           <a:p>
             <a:fld id="{982FA334-E39C-45B1-A3C0-775DA0BD8DB7}" type="datetimeFigureOut">
               <a:rPr lang="en-US" smtClean="0"/>
-              <a:t>12/7/2020</a:t>
+              <a:t>12/8/2020</a:t>
             </a:fld>
             <a:endParaRPr lang="en-US"/>
           </a:p>
@@ -1823,7 +1824,7 @@
           <a:p>
             <a:fld id="{982FA334-E39C-45B1-A3C0-775DA0BD8DB7}" type="datetimeFigureOut">
               <a:rPr lang="en-US" smtClean="0"/>
-              <a:t>12/7/2020</a:t>
+              <a:t>12/8/2020</a:t>
             </a:fld>
             <a:endParaRPr lang="en-US"/>
           </a:p>
@@ -2100,7 +2101,7 @@
           <a:p>
             <a:fld id="{982FA334-E39C-45B1-A3C0-775DA0BD8DB7}" type="datetimeFigureOut">
               <a:rPr lang="en-US" smtClean="0"/>
-              <a:t>12/7/2020</a:t>
+              <a:t>12/8/2020</a:t>
             </a:fld>
             <a:endParaRPr lang="en-US"/>
           </a:p>
@@ -2353,7 +2354,7 @@
           <a:p>
             <a:fld id="{982FA334-E39C-45B1-A3C0-775DA0BD8DB7}" type="datetimeFigureOut">
               <a:rPr lang="en-US" smtClean="0"/>
-              <a:t>12/7/2020</a:t>
+              <a:t>12/8/2020</a:t>
             </a:fld>
             <a:endParaRPr lang="en-US"/>
           </a:p>
@@ -2566,7 +2567,7 @@
           <a:p>
             <a:fld id="{982FA334-E39C-45B1-A3C0-775DA0BD8DB7}" type="datetimeFigureOut">
               <a:rPr lang="en-US" smtClean="0"/>
-              <a:t>12/7/2020</a:t>
+              <a:t>12/8/2020</a:t>
             </a:fld>
             <a:endParaRPr lang="en-US"/>
           </a:p>
@@ -2971,29 +2972,113 @@
           <a:chExt cx="0" cy="0"/>
         </a:xfrm>
       </p:grpSpPr>
+      <p:grpSp>
+        <p:nvGrpSpPr>
+          <p:cNvPr id="4" name="Group 3"/>
+          <p:cNvGrpSpPr/>
+          <p:nvPr/>
+        </p:nvGrpSpPr>
+        <p:grpSpPr>
+          <a:xfrm>
+            <a:off x="6234545" y="3382644"/>
+            <a:ext cx="6047052" cy="3341288"/>
+            <a:chOff x="6144948" y="3456532"/>
+            <a:chExt cx="6047052" cy="2620995"/>
+          </a:xfrm>
+        </p:grpSpPr>
+        <p:pic>
+          <p:nvPicPr>
+            <p:cNvPr id="18" name="Picture 17"/>
+            <p:cNvPicPr>
+              <a:picLocks noChangeAspect="1"/>
+            </p:cNvPicPr>
+            <p:nvPr/>
+          </p:nvPicPr>
+          <p:blipFill rotWithShape="1">
+            <a:blip r:embed="rId2" cstate="print">
+              <a:extLst>
+                <a:ext uri="{28A0092B-C50C-407E-A947-70E740481C1C}">
+                  <a14:useLocalDpi xmlns:a14="http://schemas.microsoft.com/office/drawing/2010/main" val="0"/>
+                </a:ext>
+              </a:extLst>
+            </a:blip>
+            <a:srcRect r="14511" b="22945"/>
+            <a:stretch/>
+          </p:blipFill>
+          <p:spPr>
+            <a:xfrm>
+              <a:off x="6144948" y="3456532"/>
+              <a:ext cx="6047052" cy="2620995"/>
+            </a:xfrm>
+            <a:prstGeom prst="rect">
+              <a:avLst/>
+            </a:prstGeom>
+          </p:spPr>
+        </p:pic>
+        <p:sp>
+          <p:nvSpPr>
+            <p:cNvPr id="3" name="Rectangle 2"/>
+            <p:cNvSpPr/>
+            <p:nvPr/>
+          </p:nvSpPr>
+          <p:spPr>
+            <a:xfrm>
+              <a:off x="7407564" y="4137891"/>
+              <a:ext cx="1154545" cy="157018"/>
+            </a:xfrm>
+            <a:prstGeom prst="rect">
+              <a:avLst/>
+            </a:prstGeom>
+            <a:solidFill>
+              <a:schemeClr val="bg1"/>
+            </a:solidFill>
+            <a:ln>
+              <a:noFill/>
+            </a:ln>
+          </p:spPr>
+          <p:style>
+            <a:lnRef idx="2">
+              <a:schemeClr val="accent1">
+                <a:shade val="50000"/>
+              </a:schemeClr>
+            </a:lnRef>
+            <a:fillRef idx="1">
+              <a:schemeClr val="accent1"/>
+            </a:fillRef>
+            <a:effectRef idx="0">
+              <a:schemeClr val="accent1"/>
+            </a:effectRef>
+            <a:fontRef idx="minor">
+              <a:schemeClr val="lt1"/>
+            </a:fontRef>
+          </p:style>
+          <p:txBody>
+            <a:bodyPr rtlCol="0" anchor="ctr"/>
+            <a:lstStyle/>
+            <a:p>
+              <a:pPr algn="ctr"/>
+              <a:endParaRPr lang="en-US"/>
+            </a:p>
+          </p:txBody>
+        </p:sp>
+      </p:grpSp>
       <p:pic>
         <p:nvPicPr>
-          <p:cNvPr id="12" name="Picture 11"/>
+          <p:cNvPr id="2" name="Picture 1"/>
           <p:cNvPicPr>
             <a:picLocks noChangeAspect="1"/>
           </p:cNvPicPr>
           <p:nvPr/>
         </p:nvPicPr>
         <p:blipFill rotWithShape="1">
-          <a:blip r:embed="rId2" cstate="print">
-            <a:extLst>
-              <a:ext uri="{28A0092B-C50C-407E-A947-70E740481C1C}">
-                <a14:useLocalDpi xmlns:a14="http://schemas.microsoft.com/office/drawing/2010/main" val="0"/>
-              </a:ext>
-            </a:extLst>
-          </a:blip>
-          <a:srcRect r="10909" b="949"/>
+          <a:blip r:embed="rId3"/>
+          <a:srcRect r="15620" b="6292"/>
           <a:stretch/>
         </p:blipFill>
         <p:spPr>
           <a:xfrm>
-            <a:off x="120072" y="110838"/>
-            <a:ext cx="5883564" cy="3214147"/>
+            <a:off x="51258" y="24107"/>
+            <a:ext cx="6077526" cy="3498200"/>
           </a:xfrm>
           <a:prstGeom prst="rect">
             <a:avLst/>
@@ -3077,7 +3162,7 @@
           <p:nvPr/>
         </p:nvPicPr>
         <p:blipFill>
-          <a:blip r:embed="rId3" cstate="print">
+          <a:blip r:embed="rId4" cstate="print">
             <a:extLst>
               <a:ext uri="{28A0092B-C50C-407E-A947-70E740481C1C}">
                 <a14:useLocalDpi xmlns:a14="http://schemas.microsoft.com/office/drawing/2010/main" val="0"/>
@@ -3145,7 +3230,7 @@
           <p:nvPr/>
         </p:nvPicPr>
         <p:blipFill>
-          <a:blip r:embed="rId4" cstate="print">
+          <a:blip r:embed="rId5" cstate="print">
             <a:extLst>
               <a:ext uri="{28A0092B-C50C-407E-A947-70E740481C1C}">
                 <a14:useLocalDpi xmlns:a14="http://schemas.microsoft.com/office/drawing/2010/main" val="0"/>
@@ -3218,35 +3303,6 @@
           </a:p>
         </p:txBody>
       </p:sp>
-      <p:pic>
-        <p:nvPicPr>
-          <p:cNvPr id="18" name="Picture 17"/>
-          <p:cNvPicPr>
-            <a:picLocks noChangeAspect="1"/>
-          </p:cNvPicPr>
-          <p:nvPr/>
-        </p:nvPicPr>
-        <p:blipFill rotWithShape="1">
-          <a:blip r:embed="rId5" cstate="print">
-            <a:extLst>
-              <a:ext uri="{28A0092B-C50C-407E-A947-70E740481C1C}">
-                <a14:useLocalDpi xmlns:a14="http://schemas.microsoft.com/office/drawing/2010/main" val="0"/>
-              </a:ext>
-            </a:extLst>
-          </a:blip>
-          <a:srcRect r="14511" b="22945"/>
-          <a:stretch/>
-        </p:blipFill>
-        <p:spPr>
-          <a:xfrm>
-            <a:off x="6144948" y="3456532"/>
-            <a:ext cx="6047052" cy="2620995"/>
-          </a:xfrm>
-          <a:prstGeom prst="rect">
-            <a:avLst/>
-          </a:prstGeom>
-        </p:spPr>
-      </p:pic>
       <p:sp>
         <p:nvSpPr>
           <p:cNvPr id="19" name="TextBox 18"/>
@@ -3926,6 +3982,318 @@
     <p:extLst>
       <p:ext uri="{BB962C8B-B14F-4D97-AF65-F5344CB8AC3E}">
         <p14:creationId xmlns:p14="http://schemas.microsoft.com/office/powerpoint/2010/main" val="3081869800"/>
+      </p:ext>
+    </p:extLst>
+  </p:cSld>
+  <p:clrMapOvr>
+    <a:masterClrMapping/>
+  </p:clrMapOvr>
+</p:sld>
+</file>
+
+<file path=ppt/slides/slide4.xml><?xml version="1.0" encoding="utf-8"?>
+<p:sld xmlns:a="http://schemas.openxmlformats.org/drawingml/2006/main" xmlns:r="http://schemas.openxmlformats.org/officeDocument/2006/relationships" xmlns:p="http://schemas.openxmlformats.org/presentationml/2006/main">
+  <p:cSld>
+    <p:spTree>
+      <p:nvGrpSpPr>
+        <p:cNvPr id="1" name=""/>
+        <p:cNvGrpSpPr/>
+        <p:nvPr/>
+      </p:nvGrpSpPr>
+      <p:grpSpPr>
+        <a:xfrm>
+          <a:off x="0" y="0"/>
+          <a:ext cx="0" cy="0"/>
+          <a:chOff x="0" y="0"/>
+          <a:chExt cx="0" cy="0"/>
+        </a:xfrm>
+      </p:grpSpPr>
+      <p:pic>
+        <p:nvPicPr>
+          <p:cNvPr id="4" name="Picture 3"/>
+          <p:cNvPicPr>
+            <a:picLocks noChangeAspect="1"/>
+          </p:cNvPicPr>
+          <p:nvPr/>
+        </p:nvPicPr>
+        <p:blipFill rotWithShape="1">
+          <a:blip r:embed="rId2">
+            <a:extLst>
+              <a:ext uri="{28A0092B-C50C-407E-A947-70E740481C1C}">
+                <a14:useLocalDpi xmlns:a14="http://schemas.microsoft.com/office/drawing/2010/main" val="0"/>
+              </a:ext>
+            </a:extLst>
+          </a:blip>
+          <a:srcRect r="69373"/>
+          <a:stretch/>
+        </p:blipFill>
+        <p:spPr>
+          <a:xfrm>
+            <a:off x="0" y="4618"/>
+            <a:ext cx="3731492" cy="6853382"/>
+          </a:xfrm>
+          <a:prstGeom prst="rect">
+            <a:avLst/>
+          </a:prstGeom>
+        </p:spPr>
+      </p:pic>
+      <p:sp>
+        <p:nvSpPr>
+          <p:cNvPr id="5" name="TextBox 4"/>
+          <p:cNvSpPr txBox="1"/>
+          <p:nvPr/>
+        </p:nvSpPr>
+        <p:spPr>
+          <a:xfrm>
+            <a:off x="4387273" y="757382"/>
+            <a:ext cx="6982690" cy="5355312"/>
+          </a:xfrm>
+          <a:prstGeom prst="rect">
+            <a:avLst/>
+          </a:prstGeom>
+          <a:noFill/>
+        </p:spPr>
+        <p:txBody>
+          <a:bodyPr wrap="square" rtlCol="0">
+            <a:spAutoFit/>
+          </a:bodyPr>
+          <a:lstStyle/>
+          <a:p>
+            <a:r>
+              <a:rPr lang="en-US" b="1" dirty="0" smtClean="0"/>
+              <a:t>=&gt;</a:t>
+            </a:r>
+            <a:r>
+              <a:rPr lang="en-US" b="1" dirty="0" err="1" smtClean="0"/>
+              <a:t>Contoller</a:t>
+            </a:r>
+            <a:r>
+              <a:rPr lang="en-US" b="1" dirty="0" smtClean="0"/>
+              <a:t> :</a:t>
+            </a:r>
+          </a:p>
+          <a:p>
+            <a:r>
+              <a:rPr lang="en-US" dirty="0" smtClean="0"/>
+              <a:t>&gt; </a:t>
+            </a:r>
+            <a:r>
+              <a:rPr lang="en-US" dirty="0" err="1" smtClean="0"/>
+              <a:t>UserLoginServlet</a:t>
+            </a:r>
+            <a:r>
+              <a:rPr lang="en-US" dirty="0" smtClean="0"/>
+              <a:t>  -  create session and process user login- redirect according to the role(student/teacher)</a:t>
+            </a:r>
+          </a:p>
+          <a:p>
+            <a:r>
+              <a:rPr lang="en-US" dirty="0" smtClean="0"/>
+              <a:t> </a:t>
+            </a:r>
+          </a:p>
+          <a:p>
+            <a:r>
+              <a:rPr lang="en-US" dirty="0" smtClean="0"/>
+              <a:t>&gt;</a:t>
+            </a:r>
+            <a:r>
+              <a:rPr lang="en-US" dirty="0" err="1" smtClean="0"/>
+              <a:t>loadExamServlet</a:t>
+            </a:r>
+            <a:r>
+              <a:rPr lang="en-US" dirty="0" smtClean="0"/>
+              <a:t>  - fetch the question bank for selected exam and send to the </a:t>
+            </a:r>
+            <a:r>
+              <a:rPr lang="en-US" dirty="0" err="1" smtClean="0"/>
+              <a:t>jsp</a:t>
+            </a:r>
+            <a:r>
+              <a:rPr lang="en-US" dirty="0" smtClean="0"/>
+              <a:t> page to load exam.</a:t>
+            </a:r>
+          </a:p>
+          <a:p>
+            <a:endParaRPr lang="en-US" dirty="0"/>
+          </a:p>
+          <a:p>
+            <a:r>
+              <a:rPr lang="en-US" dirty="0" smtClean="0"/>
+              <a:t>&gt;</a:t>
+            </a:r>
+            <a:r>
+              <a:rPr lang="en-US" dirty="0" err="1" smtClean="0"/>
+              <a:t>submitTestServlet</a:t>
+            </a:r>
+            <a:r>
+              <a:rPr lang="en-US" dirty="0" smtClean="0"/>
+              <a:t> – after test submit calculate the marks, stores in Database and display result. </a:t>
+            </a:r>
+            <a:endParaRPr lang="en-US" dirty="0"/>
+          </a:p>
+          <a:p>
+            <a:endParaRPr lang="en-US" dirty="0" smtClean="0"/>
+          </a:p>
+          <a:p>
+            <a:r>
+              <a:rPr lang="en-US" b="1" dirty="0" smtClean="0"/>
+              <a:t>Model : </a:t>
+            </a:r>
+          </a:p>
+          <a:p>
+            <a:r>
+              <a:rPr lang="en-US" dirty="0" smtClean="0"/>
+              <a:t>Created according to the database tables.</a:t>
+            </a:r>
+          </a:p>
+          <a:p>
+            <a:r>
+              <a:rPr lang="en-US" dirty="0" smtClean="0"/>
+              <a:t>&gt; Exam , </a:t>
+            </a:r>
+            <a:r>
+              <a:rPr lang="en-US" dirty="0" err="1" smtClean="0"/>
+              <a:t>Uqstion</a:t>
+            </a:r>
+            <a:r>
+              <a:rPr lang="en-US" dirty="0" smtClean="0"/>
+              <a:t> , User , </a:t>
+            </a:r>
+            <a:r>
+              <a:rPr lang="en-US" dirty="0" err="1" smtClean="0"/>
+              <a:t>result_data</a:t>
+            </a:r>
+            <a:r>
+              <a:rPr lang="en-US" dirty="0" smtClean="0"/>
+              <a:t> </a:t>
+            </a:r>
+            <a:endParaRPr lang="en-US" dirty="0"/>
+          </a:p>
+          <a:p>
+            <a:endParaRPr lang="en-US" dirty="0" smtClean="0"/>
+          </a:p>
+          <a:p>
+            <a:r>
+              <a:rPr lang="en-US" b="1" dirty="0" smtClean="0"/>
+              <a:t>View :</a:t>
+            </a:r>
+          </a:p>
+          <a:p>
+            <a:endParaRPr lang="en-US" b="1" dirty="0" smtClean="0"/>
+          </a:p>
+          <a:p>
+            <a:r>
+              <a:rPr lang="en-US" dirty="0" smtClean="0"/>
+              <a:t>&gt;</a:t>
+            </a:r>
+            <a:r>
+              <a:rPr lang="en-US" dirty="0" err="1" smtClean="0"/>
+              <a:t>Login.jsp</a:t>
+            </a:r>
+            <a:r>
+              <a:rPr lang="en-US" dirty="0" smtClean="0"/>
+              <a:t> – login page with remember me and registration link</a:t>
+            </a:r>
+          </a:p>
+          <a:p>
+            <a:r>
+              <a:rPr lang="en-US" dirty="0" smtClean="0"/>
+              <a:t>&gt;</a:t>
+            </a:r>
+            <a:r>
+              <a:rPr lang="en-US" dirty="0" err="1" smtClean="0"/>
+              <a:t>examPage.jsp</a:t>
+            </a:r>
+            <a:r>
+              <a:rPr lang="en-US" dirty="0" smtClean="0"/>
+              <a:t> – Shows the all questions(which where given by </a:t>
+            </a:r>
+            <a:r>
+              <a:rPr lang="en-US" dirty="0" smtClean="0"/>
+              <a:t>   </a:t>
+            </a:r>
+            <a:r>
+              <a:rPr lang="en-US" dirty="0" err="1" smtClean="0"/>
+              <a:t>submitTestServlet</a:t>
+            </a:r>
+            <a:r>
+              <a:rPr lang="en-US" dirty="0" smtClean="0"/>
+              <a:t> </a:t>
+            </a:r>
+            <a:r>
+              <a:rPr lang="en-US" dirty="0" smtClean="0"/>
+              <a:t>) in </a:t>
+            </a:r>
+            <a:r>
+              <a:rPr lang="en-US" dirty="0" err="1" smtClean="0"/>
+              <a:t>mcq</a:t>
+            </a:r>
+            <a:r>
+              <a:rPr lang="en-US" dirty="0" smtClean="0"/>
+              <a:t> format.</a:t>
+            </a:r>
+            <a:endParaRPr lang="en-US" dirty="0"/>
+          </a:p>
+        </p:txBody>
+      </p:sp>
+      <p:pic>
+        <p:nvPicPr>
+          <p:cNvPr id="7" name="Picture 6"/>
+          <p:cNvPicPr>
+            <a:picLocks noChangeAspect="1"/>
+          </p:cNvPicPr>
+          <p:nvPr/>
+        </p:nvPicPr>
+        <p:blipFill rotWithShape="1">
+          <a:blip r:embed="rId3"/>
+          <a:srcRect r="34496"/>
+          <a:stretch/>
+        </p:blipFill>
+        <p:spPr>
+          <a:xfrm>
+            <a:off x="2170550" y="3355256"/>
+            <a:ext cx="1560942" cy="2930089"/>
+          </a:xfrm>
+          <a:prstGeom prst="rect">
+            <a:avLst/>
+          </a:prstGeom>
+          <a:solidFill>
+            <a:srgbClr val="FFFFFF">
+              <a:shade val="85000"/>
+            </a:srgbClr>
+          </a:solidFill>
+          <a:ln w="88900" cap="sq">
+            <a:solidFill>
+              <a:srgbClr val="FFFFFF"/>
+            </a:solidFill>
+            <a:miter lim="800000"/>
+          </a:ln>
+          <a:effectLst>
+            <a:outerShdw blurRad="55000" dist="18000" dir="5400000" algn="tl" rotWithShape="0">
+              <a:srgbClr val="000000">
+                <a:alpha val="40000"/>
+              </a:srgbClr>
+            </a:outerShdw>
+          </a:effectLst>
+          <a:scene3d>
+            <a:camera prst="orthographicFront"/>
+            <a:lightRig rig="twoPt" dir="t">
+              <a:rot lat="0" lon="0" rev="7200000"/>
+            </a:lightRig>
+          </a:scene3d>
+          <a:sp3d>
+            <a:bevelT w="25400" h="19050"/>
+            <a:contourClr>
+              <a:srgbClr val="FFFFFF"/>
+            </a:contourClr>
+          </a:sp3d>
+        </p:spPr>
+      </p:pic>
+    </p:spTree>
+    <p:extLst>
+      <p:ext uri="{BB962C8B-B14F-4D97-AF65-F5344CB8AC3E}">
+        <p14:creationId xmlns:p14="http://schemas.microsoft.com/office/powerpoint/2010/main" val="1048635029"/>
       </p:ext>
     </p:extLst>
   </p:cSld>
